--- a/Differentiation of species.pptx
+++ b/Differentiation of species.pptx
@@ -153,18 +153,18 @@
   <pc:docChgLst>
     <pc:chgData name="Julia Wennerblom" userId="725001afbb726858" providerId="LiveId" clId="{967275F8-FA0E-4851-A846-6E100679C5F0}"/>
     <pc:docChg chg="undo custSel mod addSld delSld modSld sldOrd">
-      <pc:chgData name="Julia Wennerblom" userId="725001afbb726858" providerId="LiveId" clId="{967275F8-FA0E-4851-A846-6E100679C5F0}" dt="2019-12-17T16:18:31.284" v="534" actId="20577"/>
+      <pc:chgData name="Julia Wennerblom" userId="725001afbb726858" providerId="LiveId" clId="{967275F8-FA0E-4851-A846-6E100679C5F0}" dt="2019-12-17T16:31:08.676" v="535" actId="20577"/>
       <pc:docMkLst>
         <pc:docMk/>
       </pc:docMkLst>
       <pc:sldChg chg="modSp">
-        <pc:chgData name="Julia Wennerblom" userId="725001afbb726858" providerId="LiveId" clId="{967275F8-FA0E-4851-A846-6E100679C5F0}" dt="2019-12-17T16:18:31.284" v="534" actId="20577"/>
+        <pc:chgData name="Julia Wennerblom" userId="725001afbb726858" providerId="LiveId" clId="{967275F8-FA0E-4851-A846-6E100679C5F0}" dt="2019-12-17T16:31:08.676" v="535" actId="20577"/>
         <pc:sldMkLst>
           <pc:docMk/>
           <pc:sldMk cId="3752628919" sldId="269"/>
         </pc:sldMkLst>
         <pc:spChg chg="mod">
-          <ac:chgData name="Julia Wennerblom" userId="725001afbb726858" providerId="LiveId" clId="{967275F8-FA0E-4851-A846-6E100679C5F0}" dt="2019-12-17T16:18:31.284" v="534" actId="20577"/>
+          <ac:chgData name="Julia Wennerblom" userId="725001afbb726858" providerId="LiveId" clId="{967275F8-FA0E-4851-A846-6E100679C5F0}" dt="2019-12-17T16:31:08.676" v="535" actId="20577"/>
           <ac:spMkLst>
             <pc:docMk/>
             <pc:sldMk cId="3752628919" sldId="269"/>
@@ -12754,7 +12754,7 @@
             <a:pPr rtl="0"/>
             <a:r>
               <a:rPr lang="sv-SE" dirty="0" err="1"/>
-              <a:t>Bilological</a:t>
+              <a:t>Biological</a:t>
             </a:r>
             <a:r>
               <a:rPr lang="sv-SE" dirty="0"/>

--- a/Differentiation of species.pptx
+++ b/Differentiation of species.pptx
@@ -143,7 +143,7 @@
 <file path=ppt/revisionInfo.xml><?xml version="1.0" encoding="utf-8"?>
 <p1510:revInfo xmlns:a="http://schemas.openxmlformats.org/drawingml/2006/main" xmlns:r="http://schemas.openxmlformats.org/officeDocument/2006/relationships" xmlns:p1510="http://schemas.microsoft.com/office/powerpoint/2015/10/main">
   <p1510:revLst>
-    <p1510:client id="{967275F8-FA0E-4851-A846-6E100679C5F0}" v="215" dt="2019-12-17T16:18:17.055"/>
+    <p1510:client id="{967275F8-FA0E-4851-A846-6E100679C5F0}" v="219" dt="2019-12-18T08:18:31.596"/>
   </p1510:revLst>
 </p1510:revInfo>
 </file>
@@ -153,7 +153,7 @@
   <pc:docChgLst>
     <pc:chgData name="Julia Wennerblom" userId="725001afbb726858" providerId="LiveId" clId="{967275F8-FA0E-4851-A846-6E100679C5F0}"/>
     <pc:docChg chg="undo custSel mod addSld delSld modSld sldOrd">
-      <pc:chgData name="Julia Wennerblom" userId="725001afbb726858" providerId="LiveId" clId="{967275F8-FA0E-4851-A846-6E100679C5F0}" dt="2019-12-17T16:31:08.676" v="535" actId="20577"/>
+      <pc:chgData name="Julia Wennerblom" userId="725001afbb726858" providerId="LiveId" clId="{967275F8-FA0E-4851-A846-6E100679C5F0}" dt="2019-12-18T08:19:23.317" v="557"/>
       <pc:docMkLst>
         <pc:docMk/>
       </pc:docMkLst>
@@ -461,6 +461,77 @@
           <pc:sldMk cId="1445667631" sldId="283"/>
         </pc:sldMkLst>
       </pc:sldChg>
+      <pc:sldChg chg="addSp delSp modSp delAnim modAnim">
+        <pc:chgData name="Julia Wennerblom" userId="725001afbb726858" providerId="LiveId" clId="{967275F8-FA0E-4851-A846-6E100679C5F0}" dt="2019-12-18T08:19:23.317" v="557"/>
+        <pc:sldMkLst>
+          <pc:docMk/>
+          <pc:sldMk cId="1259045354" sldId="284"/>
+        </pc:sldMkLst>
+        <pc:spChg chg="add del mod">
+          <ac:chgData name="Julia Wennerblom" userId="725001afbb726858" providerId="LiveId" clId="{967275F8-FA0E-4851-A846-6E100679C5F0}" dt="2019-12-18T08:17:58.705" v="537" actId="931"/>
+          <ac:spMkLst>
+            <pc:docMk/>
+            <pc:sldMk cId="1259045354" sldId="284"/>
+            <ac:spMk id="6" creationId="{720A5291-5ED7-4382-A035-C9EF330FA31A}"/>
+          </ac:spMkLst>
+        </pc:spChg>
+        <pc:spChg chg="add del mod">
+          <ac:chgData name="Julia Wennerblom" userId="725001afbb726858" providerId="LiveId" clId="{967275F8-FA0E-4851-A846-6E100679C5F0}" dt="2019-12-18T08:18:11.013" v="542" actId="931"/>
+          <ac:spMkLst>
+            <pc:docMk/>
+            <pc:sldMk cId="1259045354" sldId="284"/>
+            <ac:spMk id="13" creationId="{8BC00837-330F-4D52-A694-0E5CEEAFCD14}"/>
+          </ac:spMkLst>
+        </pc:spChg>
+        <pc:picChg chg="add mod">
+          <ac:chgData name="Julia Wennerblom" userId="725001afbb726858" providerId="LiveId" clId="{967275F8-FA0E-4851-A846-6E100679C5F0}" dt="2019-12-18T08:17:59.583" v="539" actId="962"/>
+          <ac:picMkLst>
+            <pc:docMk/>
+            <pc:sldMk cId="1259045354" sldId="284"/>
+            <ac:picMk id="11" creationId="{EA794CEB-E9A1-4E76-A06E-72C663530E70}"/>
+          </ac:picMkLst>
+        </pc:picChg>
+        <pc:picChg chg="add mod">
+          <ac:chgData name="Julia Wennerblom" userId="725001afbb726858" providerId="LiveId" clId="{967275F8-FA0E-4851-A846-6E100679C5F0}" dt="2019-12-18T08:18:11.013" v="542" actId="931"/>
+          <ac:picMkLst>
+            <pc:docMk/>
+            <pc:sldMk cId="1259045354" sldId="284"/>
+            <ac:picMk id="15" creationId="{9F863FAF-4BE2-44F3-8D8A-F30445E2AB9C}"/>
+          </ac:picMkLst>
+        </pc:picChg>
+        <pc:picChg chg="add mod">
+          <ac:chgData name="Julia Wennerblom" userId="725001afbb726858" providerId="LiveId" clId="{967275F8-FA0E-4851-A846-6E100679C5F0}" dt="2019-12-18T08:19:17.151" v="555" actId="14100"/>
+          <ac:picMkLst>
+            <pc:docMk/>
+            <pc:sldMk cId="1259045354" sldId="284"/>
+            <ac:picMk id="17" creationId="{C554D149-2BA0-4EFA-B507-733C2ED2CCFA}"/>
+          </ac:picMkLst>
+        </pc:picChg>
+        <pc:picChg chg="del">
+          <ac:chgData name="Julia Wennerblom" userId="725001afbb726858" providerId="LiveId" clId="{967275F8-FA0E-4851-A846-6E100679C5F0}" dt="2019-12-18T08:18:05.679" v="541" actId="478"/>
+          <ac:picMkLst>
+            <pc:docMk/>
+            <pc:sldMk cId="1259045354" sldId="284"/>
+            <ac:picMk id="31" creationId="{3176EF19-FF91-4DDF-8A95-B5F1F77FF751}"/>
+          </ac:picMkLst>
+        </pc:picChg>
+        <pc:picChg chg="del">
+          <ac:chgData name="Julia Wennerblom" userId="725001afbb726858" providerId="LiveId" clId="{967275F8-FA0E-4851-A846-6E100679C5F0}" dt="2019-12-18T08:17:42.297" v="536" actId="478"/>
+          <ac:picMkLst>
+            <pc:docMk/>
+            <pc:sldMk cId="1259045354" sldId="284"/>
+            <ac:picMk id="35" creationId="{65432F24-805B-4F38-9C51-802277476708}"/>
+          </ac:picMkLst>
+        </pc:picChg>
+        <pc:picChg chg="del mod">
+          <ac:chgData name="Julia Wennerblom" userId="725001afbb726858" providerId="LiveId" clId="{967275F8-FA0E-4851-A846-6E100679C5F0}" dt="2019-12-18T08:18:15.988" v="544" actId="478"/>
+          <ac:picMkLst>
+            <pc:docMk/>
+            <pc:sldMk cId="1259045354" sldId="284"/>
+            <ac:picMk id="37" creationId="{621DDB53-E234-4BB7-822C-CF4C008BAABF}"/>
+          </ac:picMkLst>
+        </pc:picChg>
+      </pc:sldChg>
       <pc:sldChg chg="addSp delSp modSp del mod setBg modClrScheme chgLayout">
         <pc:chgData name="Julia Wennerblom" userId="725001afbb726858" providerId="LiveId" clId="{967275F8-FA0E-4851-A846-6E100679C5F0}" dt="2019-12-17T14:38:54.224" v="21" actId="2696"/>
         <pc:sldMkLst>
@@ -553,6 +624,13 @@
         <pc:sldMkLst>
           <pc:docMk/>
           <pc:sldMk cId="1648639414" sldId="286"/>
+        </pc:sldMkLst>
+      </pc:sldChg>
+      <pc:sldChg chg="add del">
+        <pc:chgData name="Julia Wennerblom" userId="725001afbb726858" providerId="LiveId" clId="{967275F8-FA0E-4851-A846-6E100679C5F0}" dt="2019-12-18T08:18:24.084" v="546" actId="2696"/>
+        <pc:sldMkLst>
+          <pc:docMk/>
+          <pc:sldMk cId="3859597083" sldId="287"/>
         </pc:sldMkLst>
       </pc:sldChg>
     </pc:docChg>
@@ -13312,10 +13390,45 @@
       </p:sp>
       <p:pic>
         <p:nvPicPr>
-          <p:cNvPr id="31" name="Platshållare för innehåll 30">
+          <p:cNvPr id="11" name="Platshållare för innehåll 10" descr="En bild som visar text, karta&#10;&#10;Automatiskt genererad beskrivning">
             <a:extLst>
               <a:ext uri="{FF2B5EF4-FFF2-40B4-BE49-F238E27FC236}">
-                <a16:creationId xmlns:a16="http://schemas.microsoft.com/office/drawing/2014/main" id="{3176EF19-FF91-4DDF-8A95-B5F1F77FF751}"/>
+                <a16:creationId xmlns:a16="http://schemas.microsoft.com/office/drawing/2014/main" id="{EA794CEB-E9A1-4E76-A06E-72C663530E70}"/>
+              </a:ext>
+            </a:extLst>
+          </p:cNvPr>
+          <p:cNvPicPr>
+            <a:picLocks noGrp="1" noChangeAspect="1"/>
+          </p:cNvPicPr>
+          <p:nvPr>
+            <p:ph sz="half" idx="2"/>
+          </p:nvPr>
+        </p:nvPicPr>
+        <p:blipFill>
+          <a:blip r:embed="rId3">
+            <a:extLst>
+              <a:ext uri="{28A0092B-C50C-407E-A947-70E740481C1C}">
+                <a14:useLocalDpi xmlns:a14="http://schemas.microsoft.com/office/drawing/2010/main" val="0"/>
+              </a:ext>
+            </a:extLst>
+          </a:blip>
+          <a:stretch>
+            <a:fillRect/>
+          </a:stretch>
+        </p:blipFill>
+        <p:spPr>
+          <a:xfrm>
+            <a:off x="1603710" y="2433638"/>
+            <a:ext cx="4220492" cy="3811587"/>
+          </a:xfrm>
+        </p:spPr>
+      </p:pic>
+      <p:pic>
+        <p:nvPicPr>
+          <p:cNvPr id="15" name="Platshållare för innehåll 14">
+            <a:extLst>
+              <a:ext uri="{FF2B5EF4-FFF2-40B4-BE49-F238E27FC236}">
+                <a16:creationId xmlns:a16="http://schemas.microsoft.com/office/drawing/2014/main" id="{9F863FAF-4BE2-44F3-8D8A-F30445E2AB9C}"/>
               </a:ext>
             </a:extLst>
           </p:cNvPr>
@@ -13327,7 +13440,7 @@
           </p:nvPr>
         </p:nvPicPr>
         <p:blipFill>
-          <a:blip r:embed="rId3">
+          <a:blip r:embed="rId4">
             <a:extLst>
               <a:ext uri="{28A0092B-C50C-407E-A947-70E740481C1C}">
                 <a14:useLocalDpi xmlns:a14="http://schemas.microsoft.com/office/drawing/2010/main" val="0"/>
@@ -13347,45 +13460,10 @@
       </p:pic>
       <p:pic>
         <p:nvPicPr>
-          <p:cNvPr id="35" name="Platshållare för innehåll 34" descr="En bild som visar text, karta&#10;&#10;Automatiskt genererad beskrivning">
+          <p:cNvPr id="17" name="Bildobjekt 16">
             <a:extLst>
               <a:ext uri="{FF2B5EF4-FFF2-40B4-BE49-F238E27FC236}">
-                <a16:creationId xmlns:a16="http://schemas.microsoft.com/office/drawing/2014/main" id="{65432F24-805B-4F38-9C51-802277476708}"/>
-              </a:ext>
-            </a:extLst>
-          </p:cNvPr>
-          <p:cNvPicPr>
-            <a:picLocks noGrp="1" noChangeAspect="1"/>
-          </p:cNvPicPr>
-          <p:nvPr>
-            <p:ph sz="half" idx="2"/>
-          </p:nvPr>
-        </p:nvPicPr>
-        <p:blipFill>
-          <a:blip r:embed="rId4">
-            <a:extLst>
-              <a:ext uri="{28A0092B-C50C-407E-A947-70E740481C1C}">
-                <a14:useLocalDpi xmlns:a14="http://schemas.microsoft.com/office/drawing/2010/main" val="0"/>
-              </a:ext>
-            </a:extLst>
-          </a:blip>
-          <a:stretch>
-            <a:fillRect/>
-          </a:stretch>
-        </p:blipFill>
-        <p:spPr>
-          <a:xfrm>
-            <a:off x="1603710" y="2433638"/>
-            <a:ext cx="4220492" cy="3811587"/>
-          </a:xfrm>
-        </p:spPr>
-      </p:pic>
-      <p:pic>
-        <p:nvPicPr>
-          <p:cNvPr id="37" name="Bildobjekt 36">
-            <a:extLst>
-              <a:ext uri="{FF2B5EF4-FFF2-40B4-BE49-F238E27FC236}">
-                <a16:creationId xmlns:a16="http://schemas.microsoft.com/office/drawing/2014/main" id="{621DDB53-E234-4BB7-822C-CF4C008BAABF}"/>
+                <a16:creationId xmlns:a16="http://schemas.microsoft.com/office/drawing/2014/main" id="{C554D149-2BA0-4EFA-B507-733C2ED2CCFA}"/>
               </a:ext>
             </a:extLst>
           </p:cNvPr>
@@ -13408,7 +13486,7 @@
         </p:blipFill>
         <p:spPr>
           <a:xfrm>
-            <a:off x="6367004" y="2433638"/>
+            <a:off x="6299627" y="2440356"/>
             <a:ext cx="4220492" cy="3811586"/>
           </a:xfrm>
           <a:prstGeom prst="rect">
@@ -13472,7 +13550,7 @@
                                           </p:stCondLst>
                                         </p:cTn>
                                         <p:tgtEl>
-                                          <p:spTgt spid="37"/>
+                                          <p:spTgt spid="17"/>
                                         </p:tgtEl>
                                         <p:attrNameLst>
                                           <p:attrName>style.visibility</p:attrName>

--- a/Differentiation of species.pptx
+++ b/Differentiation of species.pptx
@@ -5,10 +5,10 @@
     <p:sldMasterId id="2147483648" r:id="rId1"/>
   </p:sldMasterIdLst>
   <p:notesMasterIdLst>
-    <p:notesMasterId r:id="rId11"/>
+    <p:notesMasterId r:id="rId12"/>
   </p:notesMasterIdLst>
   <p:handoutMasterIdLst>
-    <p:handoutMasterId r:id="rId12"/>
+    <p:handoutMasterId r:id="rId13"/>
   </p:handoutMasterIdLst>
   <p:sldIdLst>
     <p:sldId id="258" r:id="rId2"/>
@@ -20,6 +20,7 @@
     <p:sldId id="285" r:id="rId8"/>
     <p:sldId id="282" r:id="rId9"/>
     <p:sldId id="280" r:id="rId10"/>
+    <p:sldId id="287" r:id="rId11"/>
   </p:sldIdLst>
   <p:sldSz cx="12192000" cy="6858000"/>
   <p:notesSz cx="6858000" cy="9144000"/>
@@ -143,7 +144,7 @@
 <file path=ppt/revisionInfo.xml><?xml version="1.0" encoding="utf-8"?>
 <p1510:revInfo xmlns:a="http://schemas.openxmlformats.org/drawingml/2006/main" xmlns:r="http://schemas.openxmlformats.org/officeDocument/2006/relationships" xmlns:p1510="http://schemas.microsoft.com/office/powerpoint/2015/10/main">
   <p1510:revLst>
-    <p1510:client id="{967275F8-FA0E-4851-A846-6E100679C5F0}" v="219" dt="2019-12-18T08:18:31.596"/>
+    <p1510:client id="{967275F8-FA0E-4851-A846-6E100679C5F0}" v="274" dt="2019-12-18T08:28:48.981"/>
   </p1510:revLst>
 </p1510:revInfo>
 </file>
@@ -153,7 +154,7 @@
   <pc:docChgLst>
     <pc:chgData name="Julia Wennerblom" userId="725001afbb726858" providerId="LiveId" clId="{967275F8-FA0E-4851-A846-6E100679C5F0}"/>
     <pc:docChg chg="undo custSel mod addSld delSld modSld sldOrd">
-      <pc:chgData name="Julia Wennerblom" userId="725001afbb726858" providerId="LiveId" clId="{967275F8-FA0E-4851-A846-6E100679C5F0}" dt="2019-12-18T08:19:23.317" v="557"/>
+      <pc:chgData name="Julia Wennerblom" userId="725001afbb726858" providerId="LiveId" clId="{967275F8-FA0E-4851-A846-6E100679C5F0}" dt="2019-12-18T08:28:56.779" v="621" actId="20577"/>
       <pc:docMkLst>
         <pc:docMk/>
       </pc:docMkLst>
@@ -169,6 +170,21 @@
             <pc:docMk/>
             <pc:sldMk cId="3752628919" sldId="269"/>
             <ac:spMk id="4" creationId="{00000000-0000-0000-0000-000000000000}"/>
+          </ac:spMkLst>
+        </pc:spChg>
+      </pc:sldChg>
+      <pc:sldChg chg="modSp">
+        <pc:chgData name="Julia Wennerblom" userId="725001afbb726858" providerId="LiveId" clId="{967275F8-FA0E-4851-A846-6E100679C5F0}" dt="2019-12-18T08:26:28.407" v="608"/>
+        <pc:sldMkLst>
+          <pc:docMk/>
+          <pc:sldMk cId="1627619141" sldId="275"/>
+        </pc:sldMkLst>
+        <pc:spChg chg="mod">
+          <ac:chgData name="Julia Wennerblom" userId="725001afbb726858" providerId="LiveId" clId="{967275F8-FA0E-4851-A846-6E100679C5F0}" dt="2019-12-18T08:26:28.407" v="608"/>
+          <ac:spMkLst>
+            <pc:docMk/>
+            <pc:sldMk cId="1627619141" sldId="275"/>
+            <ac:spMk id="5" creationId="{00000000-0000-0000-0000-000000000000}"/>
           </ac:spMkLst>
         </pc:spChg>
       </pc:sldChg>
@@ -193,8 +209,23 @@
           <pc:sldMk cId="129071968" sldId="278"/>
         </pc:sldMkLst>
       </pc:sldChg>
+      <pc:sldChg chg="modSp">
+        <pc:chgData name="Julia Wennerblom" userId="725001afbb726858" providerId="LiveId" clId="{967275F8-FA0E-4851-A846-6E100679C5F0}" dt="2019-12-18T08:26:24.675" v="607"/>
+        <pc:sldMkLst>
+          <pc:docMk/>
+          <pc:sldMk cId="2788333131" sldId="279"/>
+        </pc:sldMkLst>
+        <pc:spChg chg="mod">
+          <ac:chgData name="Julia Wennerblom" userId="725001afbb726858" providerId="LiveId" clId="{967275F8-FA0E-4851-A846-6E100679C5F0}" dt="2019-12-18T08:26:24.675" v="607"/>
+          <ac:spMkLst>
+            <pc:docMk/>
+            <pc:sldMk cId="2788333131" sldId="279"/>
+            <ac:spMk id="8" creationId="{00000000-0000-0000-0000-000000000000}"/>
+          </ac:spMkLst>
+        </pc:spChg>
+      </pc:sldChg>
       <pc:sldChg chg="addSp delSp modSp mod setBg modClrScheme modAnim chgLayout">
-        <pc:chgData name="Julia Wennerblom" userId="725001afbb726858" providerId="LiveId" clId="{967275F8-FA0E-4851-A846-6E100679C5F0}" dt="2019-12-17T16:15:47.766" v="505"/>
+        <pc:chgData name="Julia Wennerblom" userId="725001afbb726858" providerId="LiveId" clId="{967275F8-FA0E-4851-A846-6E100679C5F0}" dt="2019-12-18T08:26:12.120" v="605" actId="20577"/>
         <pc:sldMkLst>
           <pc:docMk/>
           <pc:sldMk cId="1332294091" sldId="280"/>
@@ -216,7 +247,7 @@
           </ac:spMkLst>
         </pc:spChg>
         <pc:spChg chg="mod">
-          <ac:chgData name="Julia Wennerblom" userId="725001afbb726858" providerId="LiveId" clId="{967275F8-FA0E-4851-A846-6E100679C5F0}" dt="2019-12-17T14:44:23.185" v="161" actId="26606"/>
+          <ac:chgData name="Julia Wennerblom" userId="725001afbb726858" providerId="LiveId" clId="{967275F8-FA0E-4851-A846-6E100679C5F0}" dt="2019-12-18T08:26:12.120" v="605" actId="20577"/>
           <ac:spMkLst>
             <pc:docMk/>
             <pc:sldMk cId="1332294091" sldId="280"/>
@@ -416,7 +447,7 @@
         </pc:sldMkLst>
       </pc:sldChg>
       <pc:sldChg chg="addSp delSp modSp ord">
-        <pc:chgData name="Julia Wennerblom" userId="725001afbb726858" providerId="LiveId" clId="{967275F8-FA0E-4851-A846-6E100679C5F0}" dt="2019-12-17T14:41:12.144" v="142" actId="20577"/>
+        <pc:chgData name="Julia Wennerblom" userId="725001afbb726858" providerId="LiveId" clId="{967275F8-FA0E-4851-A846-6E100679C5F0}" dt="2019-12-18T08:25:58.192" v="592" actId="20577"/>
         <pc:sldMkLst>
           <pc:docMk/>
           <pc:sldMk cId="3971194441" sldId="282"/>
@@ -445,6 +476,14 @@
             <ac:spMk id="4" creationId="{00000000-0000-0000-0000-000000000000}"/>
           </ac:spMkLst>
         </pc:spChg>
+        <pc:spChg chg="add del mod">
+          <ac:chgData name="Julia Wennerblom" userId="725001afbb726858" providerId="LiveId" clId="{967275F8-FA0E-4851-A846-6E100679C5F0}" dt="2019-12-18T08:25:58.192" v="592" actId="20577"/>
+          <ac:spMkLst>
+            <pc:docMk/>
+            <pc:sldMk cId="3971194441" sldId="282"/>
+            <ac:spMk id="6" creationId="{00000000-0000-0000-0000-000000000000}"/>
+          </ac:spMkLst>
+        </pc:spChg>
         <pc:picChg chg="add mod">
           <ac:chgData name="Julia Wennerblom" userId="725001afbb726858" providerId="LiveId" clId="{967275F8-FA0E-4851-A846-6E100679C5F0}" dt="2019-12-17T14:38:46.598" v="7" actId="27614"/>
           <ac:picMkLst>
@@ -462,7 +501,7 @@
         </pc:sldMkLst>
       </pc:sldChg>
       <pc:sldChg chg="addSp delSp modSp delAnim modAnim">
-        <pc:chgData name="Julia Wennerblom" userId="725001afbb726858" providerId="LiveId" clId="{967275F8-FA0E-4851-A846-6E100679C5F0}" dt="2019-12-18T08:19:23.317" v="557"/>
+        <pc:chgData name="Julia Wennerblom" userId="725001afbb726858" providerId="LiveId" clId="{967275F8-FA0E-4851-A846-6E100679C5F0}" dt="2019-12-18T08:26:19.272" v="606"/>
         <pc:sldMkLst>
           <pc:docMk/>
           <pc:sldMk cId="1259045354" sldId="284"/>
@@ -473,6 +512,14 @@
             <pc:docMk/>
             <pc:sldMk cId="1259045354" sldId="284"/>
             <ac:spMk id="6" creationId="{720A5291-5ED7-4382-A035-C9EF330FA31A}"/>
+          </ac:spMkLst>
+        </pc:spChg>
+        <pc:spChg chg="mod">
+          <ac:chgData name="Julia Wennerblom" userId="725001afbb726858" providerId="LiveId" clId="{967275F8-FA0E-4851-A846-6E100679C5F0}" dt="2019-12-18T08:26:19.272" v="606"/>
+          <ac:spMkLst>
+            <pc:docMk/>
+            <pc:sldMk cId="1259045354" sldId="284"/>
+            <ac:spMk id="8" creationId="{00000000-0000-0000-0000-000000000000}"/>
           </ac:spMkLst>
         </pc:spChg>
         <pc:spChg chg="add del mod">
@@ -625,6 +672,21 @@
           <pc:docMk/>
           <pc:sldMk cId="1648639414" sldId="286"/>
         </pc:sldMkLst>
+      </pc:sldChg>
+      <pc:sldChg chg="modSp add ord">
+        <pc:chgData name="Julia Wennerblom" userId="725001afbb726858" providerId="LiveId" clId="{967275F8-FA0E-4851-A846-6E100679C5F0}" dt="2019-12-18T08:28:56.779" v="621" actId="20577"/>
+        <pc:sldMkLst>
+          <pc:docMk/>
+          <pc:sldMk cId="1003292354" sldId="287"/>
+        </pc:sldMkLst>
+        <pc:spChg chg="mod">
+          <ac:chgData name="Julia Wennerblom" userId="725001afbb726858" providerId="LiveId" clId="{967275F8-FA0E-4851-A846-6E100679C5F0}" dt="2019-12-18T08:28:56.779" v="621" actId="20577"/>
+          <ac:spMkLst>
+            <pc:docMk/>
+            <pc:sldMk cId="1003292354" sldId="287"/>
+            <ac:spMk id="4" creationId="{00000000-0000-0000-0000-000000000000}"/>
+          </ac:spMkLst>
+        </pc:spChg>
       </pc:sldChg>
       <pc:sldChg chg="add del">
         <pc:chgData name="Julia Wennerblom" userId="725001afbb726858" providerId="LiveId" clId="{967275F8-FA0E-4851-A846-6E100679C5F0}" dt="2019-12-18T08:18:24.084" v="546" actId="2696"/>
@@ -8279,6 +8341,91 @@
 </p:notes>
 </file>
 
+<file path=ppt/notesSlides/notesSlide10.xml><?xml version="1.0" encoding="utf-8"?>
+<p:notes xmlns:a="http://schemas.openxmlformats.org/drawingml/2006/main" xmlns:r="http://schemas.openxmlformats.org/officeDocument/2006/relationships" xmlns:p="http://schemas.openxmlformats.org/presentationml/2006/main">
+  <p:cSld>
+    <p:spTree>
+      <p:nvGrpSpPr>
+        <p:cNvPr id="1" name=""/>
+        <p:cNvGrpSpPr/>
+        <p:nvPr/>
+      </p:nvGrpSpPr>
+      <p:grpSpPr>
+        <a:xfrm>
+          <a:off x="0" y="0"/>
+          <a:ext cx="0" cy="0"/>
+          <a:chOff x="0" y="0"/>
+          <a:chExt cx="0" cy="0"/>
+        </a:xfrm>
+      </p:grpSpPr>
+      <p:sp>
+        <p:nvSpPr>
+          <p:cNvPr id="2" name="Platshållare för bildobjekt 1"/>
+          <p:cNvSpPr>
+            <a:spLocks noGrp="1" noRot="1" noChangeAspect="1"/>
+          </p:cNvSpPr>
+          <p:nvPr>
+            <p:ph type="sldImg"/>
+          </p:nvPr>
+        </p:nvSpPr>
+        <p:spPr/>
+      </p:sp>
+      <p:sp>
+        <p:nvSpPr>
+          <p:cNvPr id="3" name="Platshållare för anteckningar 2"/>
+          <p:cNvSpPr>
+            <a:spLocks noGrp="1"/>
+          </p:cNvSpPr>
+          <p:nvPr>
+            <p:ph type="body" idx="1"/>
+          </p:nvPr>
+        </p:nvSpPr>
+        <p:spPr/>
+        <p:txBody>
+          <a:bodyPr/>
+          <a:lstStyle/>
+          <a:p>
+            <a:endParaRPr lang="sv-SE" dirty="0"/>
+          </a:p>
+        </p:txBody>
+      </p:sp>
+      <p:sp>
+        <p:nvSpPr>
+          <p:cNvPr id="4" name="Platshållare för bildnummer 3"/>
+          <p:cNvSpPr>
+            <a:spLocks noGrp="1"/>
+          </p:cNvSpPr>
+          <p:nvPr>
+            <p:ph type="sldNum" sz="quarter" idx="10"/>
+          </p:nvPr>
+        </p:nvSpPr>
+        <p:spPr/>
+        <p:txBody>
+          <a:bodyPr/>
+          <a:lstStyle/>
+          <a:p>
+            <a:pPr rtl="0"/>
+            <a:fld id="{77542409-6A04-4DC6-AC3A-D3758287A8F2}" type="slidenum">
+              <a:rPr lang="sv-SE" smtClean="0"/>
+              <a:t>10</a:t>
+            </a:fld>
+            <a:endParaRPr lang="sv-SE" dirty="0"/>
+          </a:p>
+        </p:txBody>
+      </p:sp>
+    </p:spTree>
+    <p:extLst>
+      <p:ext uri="{BB962C8B-B14F-4D97-AF65-F5344CB8AC3E}">
+        <p14:creationId xmlns:p14="http://schemas.microsoft.com/office/powerpoint/2010/main" val="2021214390"/>
+      </p:ext>
+    </p:extLst>
+  </p:cSld>
+  <p:clrMapOvr>
+    <a:masterClrMapping/>
+  </p:clrMapOvr>
+</p:notes>
+</file>
+
 <file path=ppt/notesSlides/notesSlide2.xml><?xml version="1.0" encoding="utf-8"?>
 <p:notes xmlns:a="http://schemas.openxmlformats.org/drawingml/2006/main" xmlns:r="http://schemas.openxmlformats.org/officeDocument/2006/relationships" xmlns:p="http://schemas.openxmlformats.org/presentationml/2006/main">
   <p:cSld>
@@ -12594,6 +12741,92 @@
 </p:sld>
 </file>
 
+<file path=ppt/slides/slide10.xml><?xml version="1.0" encoding="utf-8"?>
+<p:sld xmlns:a="http://schemas.openxmlformats.org/drawingml/2006/main" xmlns:r="http://schemas.openxmlformats.org/officeDocument/2006/relationships" xmlns:p="http://schemas.openxmlformats.org/presentationml/2006/main">
+  <p:cSld>
+    <p:spTree>
+      <p:nvGrpSpPr>
+        <p:cNvPr id="1" name=""/>
+        <p:cNvGrpSpPr/>
+        <p:nvPr/>
+      </p:nvGrpSpPr>
+      <p:grpSpPr>
+        <a:xfrm>
+          <a:off x="0" y="0"/>
+          <a:ext cx="0" cy="0"/>
+          <a:chOff x="0" y="0"/>
+          <a:chExt cx="0" cy="0"/>
+        </a:xfrm>
+      </p:grpSpPr>
+      <p:sp>
+        <p:nvSpPr>
+          <p:cNvPr id="4" name="Rubrik 3"/>
+          <p:cNvSpPr>
+            <a:spLocks noGrp="1"/>
+          </p:cNvSpPr>
+          <p:nvPr>
+            <p:ph type="title"/>
+          </p:nvPr>
+        </p:nvSpPr>
+        <p:spPr/>
+        <p:txBody>
+          <a:bodyPr rtlCol="0"/>
+          <a:lstStyle/>
+          <a:p>
+            <a:pPr rtl="0"/>
+            <a:r>
+              <a:rPr lang="sv-SE" dirty="0" err="1"/>
+              <a:t>Conclusion</a:t>
+            </a:r>
+            <a:endParaRPr lang="sv-SE" dirty="0"/>
+          </a:p>
+        </p:txBody>
+      </p:sp>
+      <p:sp>
+        <p:nvSpPr>
+          <p:cNvPr id="5" name="Platshållare 4 för text"/>
+          <p:cNvSpPr>
+            <a:spLocks noGrp="1"/>
+          </p:cNvSpPr>
+          <p:nvPr>
+            <p:ph type="body" idx="1"/>
+          </p:nvPr>
+        </p:nvSpPr>
+        <p:spPr/>
+        <p:txBody>
+          <a:bodyPr rtlCol="0"/>
+          <a:lstStyle/>
+          <a:p>
+            <a:pPr rtl="0"/>
+            <a:endParaRPr lang="sv-SE" dirty="0"/>
+          </a:p>
+        </p:txBody>
+      </p:sp>
+    </p:spTree>
+    <p:extLst>
+      <p:ext uri="{BB962C8B-B14F-4D97-AF65-F5344CB8AC3E}">
+        <p14:creationId xmlns:p14="http://schemas.microsoft.com/office/powerpoint/2010/main" val="1003292354"/>
+      </p:ext>
+    </p:extLst>
+  </p:cSld>
+  <p:clrMapOvr>
+    <a:masterClrMapping/>
+  </p:clrMapOvr>
+  <mc:AlternateContent xmlns:mc="http://schemas.openxmlformats.org/markup-compatibility/2006" xmlns:p14="http://schemas.microsoft.com/office/powerpoint/2010/main">
+    <mc:Choice Requires="p14">
+      <p:transition spd="med" p14:dur="700">
+        <p:fade/>
+      </p:transition>
+    </mc:Choice>
+    <mc:Fallback xmlns="">
+      <p:transition spd="med">
+        <p:fade/>
+      </p:transition>
+    </mc:Fallback>
+  </mc:AlternateContent>
+</p:sld>
+</file>
+
 <file path=ppt/slides/slide2.xml><?xml version="1.0" encoding="utf-8"?>
 <p:sld xmlns:a="http://schemas.openxmlformats.org/drawingml/2006/main" xmlns:r="http://schemas.openxmlformats.org/officeDocument/2006/relationships" xmlns:p="http://schemas.openxmlformats.org/presentationml/2006/main">
   <p:cSld>
@@ -12740,12 +12973,10 @@
           <a:bodyPr rtlCol="0"/>
           <a:lstStyle/>
           <a:p>
-            <a:pPr rtl="0"/>
-            <a:fld id="{E852834C-1E7D-4521-B115-52FD8F0C3A8D}" type="datetime1">
-              <a:rPr lang="sv-SE" smtClean="0"/>
-              <a:t>2019-12-17</a:t>
-            </a:fld>
-            <a:endParaRPr lang="sv-SE" dirty="0"/>
+            <a:r>
+              <a:rPr lang="sv-SE" dirty="0"/>
+              <a:t>2019-12-19</a:t>
+            </a:r>
           </a:p>
         </p:txBody>
       </p:sp>
@@ -13173,12 +13404,10 @@
           <a:bodyPr rtlCol="0"/>
           <a:lstStyle/>
           <a:p>
-            <a:pPr rtl="0"/>
-            <a:fld id="{425B2F74-C2DB-481E-B4B9-8013BB8F4C1B}" type="datetime1">
-              <a:rPr lang="sv-SE" smtClean="0"/>
-              <a:t>2019-12-17</a:t>
-            </a:fld>
-            <a:endParaRPr lang="sv-SE" dirty="0"/>
+            <a:r>
+              <a:rPr lang="sv-SE" dirty="0"/>
+              <a:t>2019-12-19</a:t>
+            </a:r>
           </a:p>
         </p:txBody>
       </p:sp>
@@ -13356,12 +13585,10 @@
           <a:bodyPr rtlCol="0"/>
           <a:lstStyle/>
           <a:p>
-            <a:pPr rtl="0"/>
-            <a:fld id="{425B2F74-C2DB-481E-B4B9-8013BB8F4C1B}" type="datetime1">
-              <a:rPr lang="sv-SE" smtClean="0"/>
-              <a:t>2019-12-17</a:t>
-            </a:fld>
-            <a:endParaRPr lang="sv-SE" dirty="0"/>
+            <a:r>
+              <a:rPr lang="sv-SE" dirty="0"/>
+              <a:t>2019-12-19</a:t>
+            </a:r>
           </a:p>
         </p:txBody>
       </p:sp>
@@ -13927,11 +14154,10 @@
           <a:lstStyle/>
           <a:p>
             <a:pPr rtl="0"/>
-            <a:fld id="{5466DD48-68E4-4B7C-88B5-975FC13EE14D}" type="datetime1">
-              <a:rPr lang="sv-SE" smtClean="0"/>
-              <a:t>2019-12-17</a:t>
-            </a:fld>
-            <a:endParaRPr lang="sv-SE" dirty="0"/>
+            <a:r>
+              <a:rPr lang="sv-SE" dirty="0"/>
+              <a:t>c</a:t>
+            </a:r>
           </a:p>
         </p:txBody>
       </p:sp>
@@ -14193,11 +14419,11 @@
         </p:spPr>
         <p:txBody>
           <a:bodyPr rtlCol="0" anchor="ctr">
-            <a:normAutofit/>
+            <a:normAutofit fontScale="92500"/>
           </a:bodyPr>
           <a:lstStyle/>
           <a:p>
-            <a:pPr rtl="0">
+            <a:pPr>
               <a:lnSpc>
                 <a:spcPct val="90000"/>
               </a:lnSpc>
@@ -14205,19 +14431,11 @@
                 <a:spcPts val="600"/>
               </a:spcAft>
             </a:pPr>
-            <a:fld id="{227FAF74-76CD-42D6-847C-284E0AE176BB}" type="datetime1">
-              <a:rPr lang="sv-SE" sz="1000" smtClean="0"/>
-              <a:pPr rtl="0">
-                <a:lnSpc>
-                  <a:spcPct val="90000"/>
-                </a:lnSpc>
-                <a:spcAft>
-                  <a:spcPts val="600"/>
-                </a:spcAft>
-              </a:pPr>
-              <a:t>2019-12-17</a:t>
-            </a:fld>
-            <a:endParaRPr lang="sv-SE" sz="1000"/>
+            <a:r>
+              <a:rPr lang="sv-SE" dirty="0"/>
+              <a:t>2019-12-19</a:t>
+            </a:r>
+            <a:endParaRPr lang="sv-SE" sz="1000" dirty="0"/>
           </a:p>
         </p:txBody>
       </p:sp>
